--- a/SonatelAcademieHôtel.pptx
+++ b/SonatelAcademieHôtel.pptx
@@ -5,7 +5,7 @@
     <p:sldMasterId id="2147483648" r:id="rId1"/>
   </p:sldMasterIdLst>
   <p:sldIdLst>
-    <p:sldId id="256" r:id="rId2"/>
+    <p:sldId id="275" r:id="rId2"/>
     <p:sldId id="257" r:id="rId3"/>
     <p:sldId id="258" r:id="rId4"/>
     <p:sldId id="259" r:id="rId5"/>
@@ -17,7 +17,13 @@
     <p:sldId id="265" r:id="rId11"/>
     <p:sldId id="266" r:id="rId12"/>
     <p:sldId id="267" r:id="rId13"/>
-    <p:sldId id="268" r:id="rId14"/>
+    <p:sldId id="269" r:id="rId14"/>
+    <p:sldId id="270" r:id="rId15"/>
+    <p:sldId id="271" r:id="rId16"/>
+    <p:sldId id="272" r:id="rId17"/>
+    <p:sldId id="273" r:id="rId18"/>
+    <p:sldId id="274" r:id="rId19"/>
+    <p:sldId id="268" r:id="rId20"/>
   </p:sldIdLst>
   <p:sldSz cx="12192000" cy="6858000"/>
   <p:notesSz cx="6858000" cy="9144000"/>
@@ -116,6 +122,11 @@
       </a:defRPr>
     </a:lvl9pPr>
   </p:defaultTextStyle>
+  <p:extLst>
+    <p:ext uri="{EFAFB233-063F-42B5-8137-9DF3F51BA10A}">
+      <p15:sldGuideLst xmlns:p15="http://schemas.microsoft.com/office/powerpoint/2012/main"/>
+    </p:ext>
+  </p:extLst>
 </p:presentation>
 </file>
 
@@ -308,7 +319,7 @@
             <a:fld id="{B61BEF0D-F0BB-DE4B-95CE-6DB70DBA9567}" type="datetimeFigureOut">
               <a:rPr lang="en-US" dirty="0"/>
               <a:pPr/>
-              <a:t>4/18/2019</a:t>
+              <a:t>4/19/2019</a:t>
             </a:fld>
             <a:endParaRPr lang="en-US" dirty="0"/>
           </a:p>
@@ -643,7 +654,7 @@
             <a:fld id="{B61BEF0D-F0BB-DE4B-95CE-6DB70DBA9567}" type="datetimeFigureOut">
               <a:rPr lang="en-US" dirty="0"/>
               <a:pPr/>
-              <a:t>4/18/2019</a:t>
+              <a:t>4/19/2019</a:t>
             </a:fld>
             <a:endParaRPr lang="en-US" dirty="0"/>
           </a:p>
@@ -1041,7 +1052,7 @@
             <a:fld id="{B61BEF0D-F0BB-DE4B-95CE-6DB70DBA9567}" type="datetimeFigureOut">
               <a:rPr lang="en-US" dirty="0"/>
               <a:pPr/>
-              <a:t>4/18/2019</a:t>
+              <a:t>4/19/2019</a:t>
             </a:fld>
             <a:endParaRPr lang="en-US" dirty="0"/>
           </a:p>
@@ -1374,7 +1385,7 @@
             <a:fld id="{B61BEF0D-F0BB-DE4B-95CE-6DB70DBA9567}" type="datetimeFigureOut">
               <a:rPr lang="en-US" dirty="0"/>
               <a:pPr/>
-              <a:t>4/18/2019</a:t>
+              <a:t>4/19/2019</a:t>
             </a:fld>
             <a:endParaRPr lang="en-US" dirty="0"/>
           </a:p>
@@ -1691,7 +1702,7 @@
             <a:fld id="{B61BEF0D-F0BB-DE4B-95CE-6DB70DBA9567}" type="datetimeFigureOut">
               <a:rPr lang="en-US" dirty="0"/>
               <a:pPr/>
-              <a:t>4/18/2019</a:t>
+              <a:t>4/19/2019</a:t>
             </a:fld>
             <a:endParaRPr lang="en-US" dirty="0"/>
           </a:p>
@@ -2084,7 +2095,7 @@
             <a:fld id="{B61BEF0D-F0BB-DE4B-95CE-6DB70DBA9567}" type="datetimeFigureOut">
               <a:rPr lang="en-US" dirty="0"/>
               <a:pPr/>
-              <a:t>4/18/2019</a:t>
+              <a:t>4/19/2019</a:t>
             </a:fld>
             <a:endParaRPr lang="en-US" dirty="0"/>
           </a:p>
@@ -2338,7 +2349,7 @@
             <a:fld id="{B61BEF0D-F0BB-DE4B-95CE-6DB70DBA9567}" type="datetimeFigureOut">
               <a:rPr lang="en-US" dirty="0"/>
               <a:pPr/>
-              <a:t>4/18/2019</a:t>
+              <a:t>4/19/2019</a:t>
             </a:fld>
             <a:endParaRPr lang="en-US" dirty="0"/>
           </a:p>
@@ -2597,7 +2608,7 @@
             <a:fld id="{B61BEF0D-F0BB-DE4B-95CE-6DB70DBA9567}" type="datetimeFigureOut">
               <a:rPr lang="en-US" dirty="0"/>
               <a:pPr/>
-              <a:t>4/18/2019</a:t>
+              <a:t>4/19/2019</a:t>
             </a:fld>
             <a:endParaRPr lang="en-US" dirty="0"/>
           </a:p>
@@ -2856,7 +2867,7 @@
             <a:fld id="{B61BEF0D-F0BB-DE4B-95CE-6DB70DBA9567}" type="datetimeFigureOut">
               <a:rPr lang="en-US" dirty="0"/>
               <a:pPr/>
-              <a:t>4/18/2019</a:t>
+              <a:t>4/19/2019</a:t>
             </a:fld>
             <a:endParaRPr lang="en-US" dirty="0"/>
           </a:p>
@@ -3182,7 +3193,7 @@
             <a:fld id="{B61BEF0D-F0BB-DE4B-95CE-6DB70DBA9567}" type="datetimeFigureOut">
               <a:rPr lang="en-US" dirty="0"/>
               <a:pPr/>
-              <a:t>4/18/2019</a:t>
+              <a:t>4/19/2019</a:t>
             </a:fld>
             <a:endParaRPr lang="en-US" dirty="0"/>
           </a:p>
@@ -3502,7 +3513,7 @@
             <a:fld id="{B61BEF0D-F0BB-DE4B-95CE-6DB70DBA9567}" type="datetimeFigureOut">
               <a:rPr lang="en-US" dirty="0"/>
               <a:pPr/>
-              <a:t>4/18/2019</a:t>
+              <a:t>4/19/2019</a:t>
             </a:fld>
             <a:endParaRPr lang="en-US" dirty="0"/>
           </a:p>
@@ -3956,7 +3967,7 @@
             <a:fld id="{B61BEF0D-F0BB-DE4B-95CE-6DB70DBA9567}" type="datetimeFigureOut">
               <a:rPr lang="en-US" dirty="0"/>
               <a:pPr/>
-              <a:t>4/18/2019</a:t>
+              <a:t>4/19/2019</a:t>
             </a:fld>
             <a:endParaRPr lang="en-US" dirty="0"/>
           </a:p>
@@ -4158,7 +4169,7 @@
             <a:fld id="{B61BEF0D-F0BB-DE4B-95CE-6DB70DBA9567}" type="datetimeFigureOut">
               <a:rPr lang="en-US" dirty="0"/>
               <a:pPr/>
-              <a:t>4/18/2019</a:t>
+              <a:t>4/19/2019</a:t>
             </a:fld>
             <a:endParaRPr lang="en-US" dirty="0"/>
           </a:p>
@@ -4332,7 +4343,7 @@
             <a:fld id="{B61BEF0D-F0BB-DE4B-95CE-6DB70DBA9567}" type="datetimeFigureOut">
               <a:rPr lang="en-US" dirty="0"/>
               <a:pPr/>
-              <a:t>4/18/2019</a:t>
+              <a:t>4/19/2019</a:t>
             </a:fld>
             <a:endParaRPr lang="en-US" dirty="0"/>
           </a:p>
@@ -4662,7 +4673,7 @@
             <a:fld id="{B61BEF0D-F0BB-DE4B-95CE-6DB70DBA9567}" type="datetimeFigureOut">
               <a:rPr lang="en-US" dirty="0"/>
               <a:pPr/>
-              <a:t>4/18/2019</a:t>
+              <a:t>4/19/2019</a:t>
             </a:fld>
             <a:endParaRPr lang="en-US" dirty="0"/>
           </a:p>
@@ -5004,7 +5015,7 @@
             <a:fld id="{B61BEF0D-F0BB-DE4B-95CE-6DB70DBA9567}" type="datetimeFigureOut">
               <a:rPr lang="en-US" dirty="0"/>
               <a:pPr/>
-              <a:t>4/18/2019</a:t>
+              <a:t>4/19/2019</a:t>
             </a:fld>
             <a:endParaRPr lang="en-US" dirty="0"/>
           </a:p>
@@ -7118,7 +7129,7 @@
             <a:fld id="{B61BEF0D-F0BB-DE4B-95CE-6DB70DBA9567}" type="datetimeFigureOut">
               <a:rPr lang="en-US" dirty="0"/>
               <a:pPr/>
-              <a:t>4/18/2019</a:t>
+              <a:t>4/19/2019</a:t>
             </a:fld>
             <a:endParaRPr lang="en-US" dirty="0"/>
           </a:p>
@@ -7639,80 +7650,124 @@
             <a:spLocks noGrp="1"/>
           </p:cNvSpPr>
           <p:nvPr>
-            <p:ph type="ctrTitle"/>
-          </p:nvPr>
-        </p:nvSpPr>
-        <p:spPr>
-          <a:xfrm>
-            <a:off x="2327956" y="1012372"/>
-            <a:ext cx="8915399" cy="2262781"/>
-          </a:xfrm>
-          <a:ln>
-            <a:noFill/>
-          </a:ln>
-        </p:spPr>
-        <p:txBody>
-          <a:bodyPr/>
+            <p:ph type="title"/>
+          </p:nvPr>
+        </p:nvSpPr>
+        <p:spPr/>
+        <p:txBody>
+          <a:bodyPr>
+            <a:normAutofit fontScale="90000"/>
+          </a:bodyPr>
           <a:lstStyle/>
           <a:p>
+            <a:pPr algn="ctr"/>
+            <a:r>
+              <a:rPr lang="fr-SN" dirty="0" err="1" smtClean="0"/>
+              <a:t>Sonatel</a:t>
+            </a:r>
             <a:r>
               <a:rPr lang="fr-SN" dirty="0" smtClean="0"/>
-              <a:t>Sonatel Académie Hôtel</a:t>
-            </a:r>
-            <a:endParaRPr lang="en-US" dirty="0"/>
-          </a:p>
-        </p:txBody>
-      </p:sp>
-      <p:sp>
-        <p:nvSpPr>
-          <p:cNvPr id="3" name="Sous-titre 2"/>
-          <p:cNvSpPr>
-            <a:spLocks noGrp="1"/>
-          </p:cNvSpPr>
-          <p:nvPr>
-            <p:ph type="subTitle" idx="1"/>
-          </p:nvPr>
-        </p:nvSpPr>
-        <p:spPr>
-          <a:xfrm>
-            <a:off x="2745967" y="3405779"/>
-            <a:ext cx="8915399" cy="1126283"/>
-          </a:xfrm>
-        </p:spPr>
-        <p:txBody>
-          <a:bodyPr/>
-          <a:lstStyle/>
-          <a:p>
-            <a:pPr algn="ctr"/>
-            <a:r>
-              <a:rPr lang="fr-SN" dirty="0" smtClean="0">
+              <a:t> </a:t>
+            </a:r>
+            <a:r>
+              <a:rPr lang="fr-SN" dirty="0"/>
+              <a:t>Académie </a:t>
+            </a:r>
+            <a:r>
+              <a:rPr lang="fr-SN" dirty="0" smtClean="0"/>
+              <a:t>Hôtel</a:t>
+            </a:r>
+            <a:br>
+              <a:rPr lang="fr-SN" dirty="0" smtClean="0"/>
+            </a:br>
+            <a:r>
+              <a:rPr lang="fr-SN" dirty="0">
                 <a:solidFill>
                   <a:schemeClr val="accent1"/>
                 </a:solidFill>
               </a:rPr>
               <a:t>Votre hôtel 5 étoile en plein cœur de Dakar</a:t>
             </a:r>
-            <a:endParaRPr lang="en-US" dirty="0">
-              <a:solidFill>
-                <a:schemeClr val="accent1"/>
-              </a:solidFill>
-            </a:endParaRPr>
-          </a:p>
-        </p:txBody>
-      </p:sp>
+            <a:r>
+              <a:rPr lang="en-US" dirty="0">
+                <a:solidFill>
+                  <a:schemeClr val="accent1"/>
+                </a:solidFill>
+              </a:rPr>
+              <a:t/>
+            </a:r>
+            <a:br>
+              <a:rPr lang="en-US" dirty="0">
+                <a:solidFill>
+                  <a:schemeClr val="accent1"/>
+                </a:solidFill>
+              </a:rPr>
+            </a:br>
+            <a:endParaRPr lang="en-US" dirty="0"/>
+          </a:p>
+        </p:txBody>
+      </p:sp>
+      <p:pic>
+        <p:nvPicPr>
+          <p:cNvPr id="2050" name="Picture 2" descr="https://cdn.discordapp.com/attachments/566298657654177802/568408789175369754/projet_hotel_SA_logo.png"/>
+          <p:cNvPicPr>
+            <a:picLocks noGrp="1" noChangeAspect="1" noChangeArrowheads="1"/>
+          </p:cNvPicPr>
+          <p:nvPr>
+            <p:ph idx="1"/>
+          </p:nvPr>
+        </p:nvPicPr>
+        <p:blipFill>
+          <a:blip r:embed="rId2">
+            <a:extLst>
+              <a:ext uri="{28A0092B-C50C-407E-A947-70E740481C1C}">
+                <a14:useLocalDpi xmlns:a14="http://schemas.microsoft.com/office/drawing/2010/main" val="0"/>
+              </a:ext>
+            </a:extLst>
+          </a:blip>
+          <a:srcRect/>
+          <a:stretch>
+            <a:fillRect/>
+          </a:stretch>
+        </p:blipFill>
+        <p:spPr bwMode="auto">
+          <a:xfrm>
+            <a:off x="2592925" y="2789419"/>
+            <a:ext cx="8911687" cy="2329561"/>
+          </a:xfrm>
+          <a:prstGeom prst="rect">
+            <a:avLst/>
+          </a:prstGeom>
+          <a:solidFill>
+            <a:schemeClr val="accent1">
+              <a:lumMod val="60000"/>
+              <a:lumOff val="40000"/>
+            </a:schemeClr>
+          </a:solidFill>
+        </p:spPr>
+      </p:pic>
     </p:spTree>
     <p:extLst>
       <p:ext uri="{BB962C8B-B14F-4D97-AF65-F5344CB8AC3E}">
-        <p14:creationId xmlns:p14="http://schemas.microsoft.com/office/powerpoint/2010/main" val="1274669808"/>
+        <p14:creationId xmlns:p14="http://schemas.microsoft.com/office/powerpoint/2010/main" val="1321762354"/>
       </p:ext>
     </p:extLst>
   </p:cSld>
   <p:clrMapOvr>
     <a:masterClrMapping/>
   </p:clrMapOvr>
-  <p:transition spd="slow">
-    <p:wipe/>
-  </p:transition>
+  <mc:AlternateContent xmlns:mc="http://schemas.openxmlformats.org/markup-compatibility/2006">
+    <mc:Choice xmlns:p14="http://schemas.microsoft.com/office/powerpoint/2010/main" Requires="p14">
+      <p:transition spd="slow" p14:dur="1600">
+        <p14:prism isContent="1" isInverted="1"/>
+      </p:transition>
+    </mc:Choice>
+    <mc:Fallback>
+      <p:transition spd="slow">
+        <p:fade/>
+      </p:transition>
+    </mc:Fallback>
+  </mc:AlternateContent>
   <p:timing>
     <p:tnLst>
       <p:par>
@@ -7827,13 +7882,13 @@
   <p:clrMapOvr>
     <a:masterClrMapping/>
   </p:clrMapOvr>
-  <mc:AlternateContent xmlns:mc="http://schemas.openxmlformats.org/markup-compatibility/2006">
-    <mc:Choice xmlns:p15="http://schemas.microsoft.com/office/powerpoint/2012/main" Requires="p15">
+  <mc:AlternateContent xmlns:mc="http://schemas.openxmlformats.org/markup-compatibility/2006" xmlns:p15="http://schemas.microsoft.com/office/powerpoint/2012/main">
+    <mc:Choice Requires="p15">
       <p:transition xmlns:p14="http://schemas.microsoft.com/office/powerpoint/2010/main" spd="slow" p14:dur="1250">
         <p15:prstTrans prst="peelOff"/>
       </p:transition>
     </mc:Choice>
-    <mc:Fallback>
+    <mc:Fallback xmlns="">
       <p:transition spd="slow">
         <p:fade/>
       </p:transition>
@@ -7940,13 +7995,13 @@
   <p:clrMapOvr>
     <a:masterClrMapping/>
   </p:clrMapOvr>
-  <mc:AlternateContent xmlns:mc="http://schemas.openxmlformats.org/markup-compatibility/2006">
-    <mc:Choice xmlns:p14="http://schemas.microsoft.com/office/powerpoint/2010/main" Requires="p14">
+  <mc:AlternateContent xmlns:mc="http://schemas.openxmlformats.org/markup-compatibility/2006" xmlns:p14="http://schemas.microsoft.com/office/powerpoint/2010/main">
+    <mc:Choice Requires="p14">
       <p:transition spd="slow" p14:dur="4400">
         <p14:honeycomb/>
       </p:transition>
     </mc:Choice>
-    <mc:Fallback>
+    <mc:Fallback xmlns="">
       <p:transition spd="slow">
         <p:fade/>
       </p:transition>
@@ -8041,13 +8096,13 @@
   <p:clrMapOvr>
     <a:masterClrMapping/>
   </p:clrMapOvr>
-  <mc:AlternateContent xmlns:mc="http://schemas.openxmlformats.org/markup-compatibility/2006">
-    <mc:Choice xmlns:p14="http://schemas.microsoft.com/office/powerpoint/2010/main" Requires="p14">
+  <mc:AlternateContent xmlns:mc="http://schemas.openxmlformats.org/markup-compatibility/2006" xmlns:p14="http://schemas.microsoft.com/office/powerpoint/2010/main">
+    <mc:Choice Requires="p14">
       <p:transition spd="slow" p14:dur="1600">
         <p14:prism isInverted="1"/>
       </p:transition>
     </mc:Choice>
-    <mc:Fallback>
+    <mc:Fallback xmlns="">
       <p:transition spd="slow">
         <p:fade/>
       </p:transition>
@@ -8097,6 +8152,576 @@
           <a:p>
             <a:r>
               <a:rPr lang="fr-SN" dirty="0" smtClean="0"/>
+              <a:t>Maquettes: Page d’accueil</a:t>
+            </a:r>
+            <a:endParaRPr lang="en-US" dirty="0"/>
+          </a:p>
+        </p:txBody>
+      </p:sp>
+      <p:pic>
+        <p:nvPicPr>
+          <p:cNvPr id="4" name="Espace réservé du contenu 3"/>
+          <p:cNvPicPr>
+            <a:picLocks noGrp="1" noChangeAspect="1"/>
+          </p:cNvPicPr>
+          <p:nvPr>
+            <p:ph idx="1"/>
+          </p:nvPr>
+        </p:nvPicPr>
+        <p:blipFill>
+          <a:blip r:embed="rId2">
+            <a:extLst>
+              <a:ext uri="{28A0092B-C50C-407E-A947-70E740481C1C}">
+                <a14:useLocalDpi xmlns:a14="http://schemas.microsoft.com/office/drawing/2010/main" val="0"/>
+              </a:ext>
+            </a:extLst>
+          </a:blip>
+          <a:stretch>
+            <a:fillRect/>
+          </a:stretch>
+        </p:blipFill>
+        <p:spPr>
+          <a:xfrm>
+            <a:off x="5329263" y="2158844"/>
+            <a:ext cx="1460644" cy="3778250"/>
+          </a:xfrm>
+        </p:spPr>
+      </p:pic>
+    </p:spTree>
+    <p:extLst>
+      <p:ext uri="{BB962C8B-B14F-4D97-AF65-F5344CB8AC3E}">
+        <p14:creationId xmlns:p14="http://schemas.microsoft.com/office/powerpoint/2010/main" val="2647928194"/>
+      </p:ext>
+    </p:extLst>
+  </p:cSld>
+  <p:clrMapOvr>
+    <a:masterClrMapping/>
+  </p:clrMapOvr>
+  <mc:AlternateContent xmlns:mc="http://schemas.openxmlformats.org/markup-compatibility/2006">
+    <mc:Choice xmlns:p14="http://schemas.microsoft.com/office/powerpoint/2010/main" Requires="p14">
+      <p:transition spd="slow" p14:dur="900">
+        <p14:warp dir="in"/>
+      </p:transition>
+    </mc:Choice>
+    <mc:Fallback>
+      <p:transition spd="slow">
+        <p:fade/>
+      </p:transition>
+    </mc:Fallback>
+  </mc:AlternateContent>
+  <p:timing>
+    <p:tnLst>
+      <p:par>
+        <p:cTn id="1" dur="indefinite" restart="never" nodeType="tmRoot"/>
+      </p:par>
+    </p:tnLst>
+  </p:timing>
+</p:sld>
+</file>
+
+<file path=ppt/slides/slide14.xml><?xml version="1.0" encoding="utf-8"?>
+<p:sld xmlns:a="http://schemas.openxmlformats.org/drawingml/2006/main" xmlns:r="http://schemas.openxmlformats.org/officeDocument/2006/relationships" xmlns:p="http://schemas.openxmlformats.org/presentationml/2006/main">
+  <p:cSld>
+    <p:spTree>
+      <p:nvGrpSpPr>
+        <p:cNvPr id="1" name=""/>
+        <p:cNvGrpSpPr/>
+        <p:nvPr/>
+      </p:nvGrpSpPr>
+      <p:grpSpPr>
+        <a:xfrm>
+          <a:off x="0" y="0"/>
+          <a:ext cx="0" cy="0"/>
+          <a:chOff x="0" y="0"/>
+          <a:chExt cx="0" cy="0"/>
+        </a:xfrm>
+      </p:grpSpPr>
+      <p:sp>
+        <p:nvSpPr>
+          <p:cNvPr id="2" name="Titre 1"/>
+          <p:cNvSpPr>
+            <a:spLocks noGrp="1"/>
+          </p:cNvSpPr>
+          <p:nvPr>
+            <p:ph type="title"/>
+          </p:nvPr>
+        </p:nvSpPr>
+        <p:spPr/>
+        <p:txBody>
+          <a:bodyPr/>
+          <a:lstStyle/>
+          <a:p>
+            <a:r>
+              <a:rPr lang="fr-SN" dirty="0" smtClean="0"/>
+              <a:t>Maquettes: pages Suites </a:t>
+            </a:r>
+            <a:endParaRPr lang="en-US" dirty="0"/>
+          </a:p>
+        </p:txBody>
+      </p:sp>
+      <p:pic>
+        <p:nvPicPr>
+          <p:cNvPr id="4" name="Espace réservé du contenu 3"/>
+          <p:cNvPicPr>
+            <a:picLocks noGrp="1" noChangeAspect="1"/>
+          </p:cNvPicPr>
+          <p:nvPr>
+            <p:ph idx="1"/>
+          </p:nvPr>
+        </p:nvPicPr>
+        <p:blipFill>
+          <a:blip r:embed="rId2">
+            <a:extLst>
+              <a:ext uri="{28A0092B-C50C-407E-A947-70E740481C1C}">
+                <a14:useLocalDpi xmlns:a14="http://schemas.microsoft.com/office/drawing/2010/main" val="0"/>
+              </a:ext>
+            </a:extLst>
+          </a:blip>
+          <a:stretch>
+            <a:fillRect/>
+          </a:stretch>
+        </p:blipFill>
+        <p:spPr>
+          <a:xfrm>
+            <a:off x="6388295" y="2133600"/>
+            <a:ext cx="1317235" cy="3778250"/>
+          </a:xfrm>
+        </p:spPr>
+      </p:pic>
+    </p:spTree>
+    <p:extLst>
+      <p:ext uri="{BB962C8B-B14F-4D97-AF65-F5344CB8AC3E}">
+        <p14:creationId xmlns:p14="http://schemas.microsoft.com/office/powerpoint/2010/main" val="2506870224"/>
+      </p:ext>
+    </p:extLst>
+  </p:cSld>
+  <p:clrMapOvr>
+    <a:masterClrMapping/>
+  </p:clrMapOvr>
+  <mc:AlternateContent xmlns:mc="http://schemas.openxmlformats.org/markup-compatibility/2006">
+    <mc:Choice xmlns:p14="http://schemas.microsoft.com/office/powerpoint/2010/main" Requires="p14">
+      <p:transition spd="slow" p14:dur="900">
+        <p14:warp dir="in"/>
+      </p:transition>
+    </mc:Choice>
+    <mc:Fallback>
+      <p:transition spd="slow">
+        <p:fade/>
+      </p:transition>
+    </mc:Fallback>
+  </mc:AlternateContent>
+  <p:timing>
+    <p:tnLst>
+      <p:par>
+        <p:cTn id="1" dur="indefinite" restart="never" nodeType="tmRoot"/>
+      </p:par>
+    </p:tnLst>
+  </p:timing>
+</p:sld>
+</file>
+
+<file path=ppt/slides/slide15.xml><?xml version="1.0" encoding="utf-8"?>
+<p:sld xmlns:a="http://schemas.openxmlformats.org/drawingml/2006/main" xmlns:r="http://schemas.openxmlformats.org/officeDocument/2006/relationships" xmlns:p="http://schemas.openxmlformats.org/presentationml/2006/main">
+  <p:cSld>
+    <p:spTree>
+      <p:nvGrpSpPr>
+        <p:cNvPr id="1" name=""/>
+        <p:cNvGrpSpPr/>
+        <p:nvPr/>
+      </p:nvGrpSpPr>
+      <p:grpSpPr>
+        <a:xfrm>
+          <a:off x="0" y="0"/>
+          <a:ext cx="0" cy="0"/>
+          <a:chOff x="0" y="0"/>
+          <a:chExt cx="0" cy="0"/>
+        </a:xfrm>
+      </p:grpSpPr>
+      <p:sp>
+        <p:nvSpPr>
+          <p:cNvPr id="2" name="Titre 1"/>
+          <p:cNvSpPr>
+            <a:spLocks noGrp="1"/>
+          </p:cNvSpPr>
+          <p:nvPr>
+            <p:ph type="title"/>
+          </p:nvPr>
+        </p:nvSpPr>
+        <p:spPr/>
+        <p:txBody>
+          <a:bodyPr/>
+          <a:lstStyle/>
+          <a:p>
+            <a:r>
+              <a:rPr lang="fr-SN" dirty="0" smtClean="0"/>
+              <a:t>Maquettes: page chambres</a:t>
+            </a:r>
+            <a:endParaRPr lang="en-US" dirty="0"/>
+          </a:p>
+        </p:txBody>
+      </p:sp>
+      <p:pic>
+        <p:nvPicPr>
+          <p:cNvPr id="4" name="Espace réservé du contenu 3"/>
+          <p:cNvPicPr>
+            <a:picLocks noGrp="1" noChangeAspect="1"/>
+          </p:cNvPicPr>
+          <p:nvPr>
+            <p:ph idx="1"/>
+          </p:nvPr>
+        </p:nvPicPr>
+        <p:blipFill>
+          <a:blip r:embed="rId2">
+            <a:extLst>
+              <a:ext uri="{28A0092B-C50C-407E-A947-70E740481C1C}">
+                <a14:useLocalDpi xmlns:a14="http://schemas.microsoft.com/office/drawing/2010/main" val="0"/>
+              </a:ext>
+            </a:extLst>
+          </a:blip>
+          <a:stretch>
+            <a:fillRect/>
+          </a:stretch>
+        </p:blipFill>
+        <p:spPr>
+          <a:xfrm>
+            <a:off x="6388295" y="2133600"/>
+            <a:ext cx="1317235" cy="3778250"/>
+          </a:xfrm>
+        </p:spPr>
+      </p:pic>
+    </p:spTree>
+    <p:extLst>
+      <p:ext uri="{BB962C8B-B14F-4D97-AF65-F5344CB8AC3E}">
+        <p14:creationId xmlns:p14="http://schemas.microsoft.com/office/powerpoint/2010/main" val="1972150795"/>
+      </p:ext>
+    </p:extLst>
+  </p:cSld>
+  <p:clrMapOvr>
+    <a:masterClrMapping/>
+  </p:clrMapOvr>
+  <p:transition spd="slow">
+    <p:comb/>
+  </p:transition>
+  <p:timing>
+    <p:tnLst>
+      <p:par>
+        <p:cTn id="1" dur="indefinite" restart="never" nodeType="tmRoot"/>
+      </p:par>
+    </p:tnLst>
+  </p:timing>
+</p:sld>
+</file>
+
+<file path=ppt/slides/slide16.xml><?xml version="1.0" encoding="utf-8"?>
+<p:sld xmlns:a="http://schemas.openxmlformats.org/drawingml/2006/main" xmlns:r="http://schemas.openxmlformats.org/officeDocument/2006/relationships" xmlns:p="http://schemas.openxmlformats.org/presentationml/2006/main">
+  <p:cSld>
+    <p:spTree>
+      <p:nvGrpSpPr>
+        <p:cNvPr id="1" name=""/>
+        <p:cNvGrpSpPr/>
+        <p:nvPr/>
+      </p:nvGrpSpPr>
+      <p:grpSpPr>
+        <a:xfrm>
+          <a:off x="0" y="0"/>
+          <a:ext cx="0" cy="0"/>
+          <a:chOff x="0" y="0"/>
+          <a:chExt cx="0" cy="0"/>
+        </a:xfrm>
+      </p:grpSpPr>
+      <p:sp>
+        <p:nvSpPr>
+          <p:cNvPr id="2" name="Titre 1"/>
+          <p:cNvSpPr>
+            <a:spLocks noGrp="1"/>
+          </p:cNvSpPr>
+          <p:nvPr>
+            <p:ph type="title"/>
+          </p:nvPr>
+        </p:nvSpPr>
+        <p:spPr/>
+        <p:txBody>
+          <a:bodyPr/>
+          <a:lstStyle/>
+          <a:p>
+            <a:r>
+              <a:rPr lang="fr-SN" dirty="0" smtClean="0"/>
+              <a:t>Maquette: Page Salons</a:t>
+            </a:r>
+            <a:endParaRPr lang="en-US" dirty="0"/>
+          </a:p>
+        </p:txBody>
+      </p:sp>
+      <p:pic>
+        <p:nvPicPr>
+          <p:cNvPr id="4" name="Espace réservé du contenu 3"/>
+          <p:cNvPicPr>
+            <a:picLocks noGrp="1" noChangeAspect="1"/>
+          </p:cNvPicPr>
+          <p:nvPr>
+            <p:ph idx="1"/>
+          </p:nvPr>
+        </p:nvPicPr>
+        <p:blipFill>
+          <a:blip r:embed="rId2">
+            <a:extLst>
+              <a:ext uri="{28A0092B-C50C-407E-A947-70E740481C1C}">
+                <a14:useLocalDpi xmlns:a14="http://schemas.microsoft.com/office/drawing/2010/main" val="0"/>
+              </a:ext>
+            </a:extLst>
+          </a:blip>
+          <a:stretch>
+            <a:fillRect/>
+          </a:stretch>
+        </p:blipFill>
+        <p:spPr>
+          <a:xfrm>
+            <a:off x="6388295" y="2133600"/>
+            <a:ext cx="1317235" cy="3778250"/>
+          </a:xfrm>
+        </p:spPr>
+      </p:pic>
+    </p:spTree>
+    <p:extLst>
+      <p:ext uri="{BB962C8B-B14F-4D97-AF65-F5344CB8AC3E}">
+        <p14:creationId xmlns:p14="http://schemas.microsoft.com/office/powerpoint/2010/main" val="1057278834"/>
+      </p:ext>
+    </p:extLst>
+  </p:cSld>
+  <p:clrMapOvr>
+    <a:masterClrMapping/>
+  </p:clrMapOvr>
+  <p:transition spd="slow">
+    <p:comb/>
+  </p:transition>
+  <p:timing>
+    <p:tnLst>
+      <p:par>
+        <p:cTn id="1" dur="indefinite" restart="never" nodeType="tmRoot"/>
+      </p:par>
+    </p:tnLst>
+  </p:timing>
+</p:sld>
+</file>
+
+<file path=ppt/slides/slide17.xml><?xml version="1.0" encoding="utf-8"?>
+<p:sld xmlns:a="http://schemas.openxmlformats.org/drawingml/2006/main" xmlns:r="http://schemas.openxmlformats.org/officeDocument/2006/relationships" xmlns:p="http://schemas.openxmlformats.org/presentationml/2006/main">
+  <p:cSld>
+    <p:spTree>
+      <p:nvGrpSpPr>
+        <p:cNvPr id="1" name=""/>
+        <p:cNvGrpSpPr/>
+        <p:nvPr/>
+      </p:nvGrpSpPr>
+      <p:grpSpPr>
+        <a:xfrm>
+          <a:off x="0" y="0"/>
+          <a:ext cx="0" cy="0"/>
+          <a:chOff x="0" y="0"/>
+          <a:chExt cx="0" cy="0"/>
+        </a:xfrm>
+      </p:grpSpPr>
+      <p:sp>
+        <p:nvSpPr>
+          <p:cNvPr id="2" name="Titre 1"/>
+          <p:cNvSpPr>
+            <a:spLocks noGrp="1"/>
+          </p:cNvSpPr>
+          <p:nvPr>
+            <p:ph type="title"/>
+          </p:nvPr>
+        </p:nvSpPr>
+        <p:spPr/>
+        <p:txBody>
+          <a:bodyPr/>
+          <a:lstStyle/>
+          <a:p>
+            <a:r>
+              <a:rPr lang="fr-SN" dirty="0" smtClean="0"/>
+              <a:t>Maquette: Page Restaurant</a:t>
+            </a:r>
+            <a:endParaRPr lang="en-US" dirty="0"/>
+          </a:p>
+        </p:txBody>
+      </p:sp>
+      <p:pic>
+        <p:nvPicPr>
+          <p:cNvPr id="4" name="Espace réservé du contenu 3"/>
+          <p:cNvPicPr>
+            <a:picLocks noGrp="1" noChangeAspect="1"/>
+          </p:cNvPicPr>
+          <p:nvPr>
+            <p:ph idx="1"/>
+          </p:nvPr>
+        </p:nvPicPr>
+        <p:blipFill>
+          <a:blip r:embed="rId2">
+            <a:extLst>
+              <a:ext uri="{28A0092B-C50C-407E-A947-70E740481C1C}">
+                <a14:useLocalDpi xmlns:a14="http://schemas.microsoft.com/office/drawing/2010/main" val="0"/>
+              </a:ext>
+            </a:extLst>
+          </a:blip>
+          <a:stretch>
+            <a:fillRect/>
+          </a:stretch>
+        </p:blipFill>
+        <p:spPr>
+          <a:xfrm>
+            <a:off x="6022914" y="2133600"/>
+            <a:ext cx="2047998" cy="3778250"/>
+          </a:xfrm>
+        </p:spPr>
+      </p:pic>
+    </p:spTree>
+    <p:extLst>
+      <p:ext uri="{BB962C8B-B14F-4D97-AF65-F5344CB8AC3E}">
+        <p14:creationId xmlns:p14="http://schemas.microsoft.com/office/powerpoint/2010/main" val="3965946591"/>
+      </p:ext>
+    </p:extLst>
+  </p:cSld>
+  <p:clrMapOvr>
+    <a:masterClrMapping/>
+  </p:clrMapOvr>
+  <p:transition spd="slow">
+    <p:push dir="u"/>
+  </p:transition>
+  <p:timing>
+    <p:tnLst>
+      <p:par>
+        <p:cTn id="1" dur="indefinite" restart="never" nodeType="tmRoot"/>
+      </p:par>
+    </p:tnLst>
+  </p:timing>
+</p:sld>
+</file>
+
+<file path=ppt/slides/slide18.xml><?xml version="1.0" encoding="utf-8"?>
+<p:sld xmlns:a="http://schemas.openxmlformats.org/drawingml/2006/main" xmlns:r="http://schemas.openxmlformats.org/officeDocument/2006/relationships" xmlns:p="http://schemas.openxmlformats.org/presentationml/2006/main">
+  <p:cSld>
+    <p:spTree>
+      <p:nvGrpSpPr>
+        <p:cNvPr id="1" name=""/>
+        <p:cNvGrpSpPr/>
+        <p:nvPr/>
+      </p:nvGrpSpPr>
+      <p:grpSpPr>
+        <a:xfrm>
+          <a:off x="0" y="0"/>
+          <a:ext cx="0" cy="0"/>
+          <a:chOff x="0" y="0"/>
+          <a:chExt cx="0" cy="0"/>
+        </a:xfrm>
+      </p:grpSpPr>
+      <p:sp>
+        <p:nvSpPr>
+          <p:cNvPr id="2" name="Titre 1"/>
+          <p:cNvSpPr>
+            <a:spLocks noGrp="1"/>
+          </p:cNvSpPr>
+          <p:nvPr>
+            <p:ph type="title"/>
+          </p:nvPr>
+        </p:nvSpPr>
+        <p:spPr/>
+        <p:txBody>
+          <a:bodyPr/>
+          <a:lstStyle/>
+          <a:p>
+            <a:r>
+              <a:rPr lang="fr-SN" dirty="0" smtClean="0"/>
+              <a:t>Maquette: Page Réservation</a:t>
+            </a:r>
+            <a:endParaRPr lang="en-US" dirty="0"/>
+          </a:p>
+        </p:txBody>
+      </p:sp>
+      <p:pic>
+        <p:nvPicPr>
+          <p:cNvPr id="4" name="Espace réservé du contenu 3"/>
+          <p:cNvPicPr>
+            <a:picLocks noGrp="1" noChangeAspect="1"/>
+          </p:cNvPicPr>
+          <p:nvPr>
+            <p:ph idx="1"/>
+          </p:nvPr>
+        </p:nvPicPr>
+        <p:blipFill>
+          <a:blip r:embed="rId2">
+            <a:extLst>
+              <a:ext uri="{28A0092B-C50C-407E-A947-70E740481C1C}">
+                <a14:useLocalDpi xmlns:a14="http://schemas.microsoft.com/office/drawing/2010/main" val="0"/>
+              </a:ext>
+            </a:extLst>
+          </a:blip>
+          <a:stretch>
+            <a:fillRect/>
+          </a:stretch>
+        </p:blipFill>
+        <p:spPr>
+          <a:xfrm>
+            <a:off x="5772543" y="2133600"/>
+            <a:ext cx="2548740" cy="3778250"/>
+          </a:xfrm>
+        </p:spPr>
+      </p:pic>
+    </p:spTree>
+    <p:extLst>
+      <p:ext uri="{BB962C8B-B14F-4D97-AF65-F5344CB8AC3E}">
+        <p14:creationId xmlns:p14="http://schemas.microsoft.com/office/powerpoint/2010/main" val="3675004527"/>
+      </p:ext>
+    </p:extLst>
+  </p:cSld>
+  <p:clrMapOvr>
+    <a:masterClrMapping/>
+  </p:clrMapOvr>
+  <p:transition spd="slow">
+    <p:push dir="u"/>
+  </p:transition>
+  <p:timing>
+    <p:tnLst>
+      <p:par>
+        <p:cTn id="1" dur="indefinite" restart="never" nodeType="tmRoot"/>
+      </p:par>
+    </p:tnLst>
+  </p:timing>
+</p:sld>
+</file>
+
+<file path=ppt/slides/slide19.xml><?xml version="1.0" encoding="utf-8"?>
+<p:sld xmlns:a="http://schemas.openxmlformats.org/drawingml/2006/main" xmlns:r="http://schemas.openxmlformats.org/officeDocument/2006/relationships" xmlns:p="http://schemas.openxmlformats.org/presentationml/2006/main">
+  <p:cSld>
+    <p:spTree>
+      <p:nvGrpSpPr>
+        <p:cNvPr id="1" name=""/>
+        <p:cNvGrpSpPr/>
+        <p:nvPr/>
+      </p:nvGrpSpPr>
+      <p:grpSpPr>
+        <a:xfrm>
+          <a:off x="0" y="0"/>
+          <a:ext cx="0" cy="0"/>
+          <a:chOff x="0" y="0"/>
+          <a:chExt cx="0" cy="0"/>
+        </a:xfrm>
+      </p:grpSpPr>
+      <p:sp>
+        <p:nvSpPr>
+          <p:cNvPr id="2" name="Titre 1"/>
+          <p:cNvSpPr>
+            <a:spLocks noGrp="1"/>
+          </p:cNvSpPr>
+          <p:nvPr>
+            <p:ph type="title"/>
+          </p:nvPr>
+        </p:nvSpPr>
+        <p:spPr/>
+        <p:txBody>
+          <a:bodyPr/>
+          <a:lstStyle/>
+          <a:p>
+            <a:r>
+              <a:rPr lang="fr-SN" dirty="0" smtClean="0"/>
               <a:t>Contact</a:t>
             </a:r>
             <a:endParaRPr lang="en-US" dirty="0"/>
@@ -8240,13 +8865,13 @@
   <p:clrMapOvr>
     <a:masterClrMapping/>
   </p:clrMapOvr>
-  <mc:AlternateContent xmlns:mc="http://schemas.openxmlformats.org/markup-compatibility/2006">
-    <mc:Choice xmlns:p14="http://schemas.microsoft.com/office/powerpoint/2010/main" Requires="p14">
+  <mc:AlternateContent xmlns:mc="http://schemas.openxmlformats.org/markup-compatibility/2006" xmlns:p14="http://schemas.microsoft.com/office/powerpoint/2010/main">
+    <mc:Choice Requires="p14">
       <p:transition spd="slow" p14:dur="1600">
         <p14:conveyor dir="l"/>
       </p:transition>
     </mc:Choice>
-    <mc:Fallback>
+    <mc:Fallback xmlns="">
       <p:transition spd="slow">
         <p:fade/>
       </p:transition>
@@ -8319,8 +8944,23 @@
           <a:p>
             <a:r>
               <a:rPr lang="fr-SN" dirty="0" smtClean="0"/>
-              <a:t>Edition d’un cahier des charges et de la charte graphique </a:t>
-            </a:r>
+              <a:t>Edition d’un cahier des charges et de la charte </a:t>
+            </a:r>
+            <a:r>
+              <a:rPr lang="fr-SN" dirty="0" smtClean="0"/>
+              <a:t>graphique</a:t>
+            </a:r>
+          </a:p>
+          <a:p>
+            <a:r>
+              <a:rPr lang="fr-SN" dirty="0" smtClean="0"/>
+              <a:t>Création d’une maquette pour le site</a:t>
+            </a:r>
+            <a:r>
+              <a:rPr lang="fr-SN" dirty="0" smtClean="0"/>
+              <a:t> </a:t>
+            </a:r>
+            <a:endParaRPr lang="fr-SN" dirty="0" smtClean="0"/>
           </a:p>
           <a:p>
             <a:r>
@@ -8360,13 +9000,13 @@
   <p:clrMapOvr>
     <a:masterClrMapping/>
   </p:clrMapOvr>
-  <mc:AlternateContent xmlns:mc="http://schemas.openxmlformats.org/markup-compatibility/2006">
-    <mc:Choice xmlns:p15="http://schemas.microsoft.com/office/powerpoint/2012/main" Requires="p15">
+  <mc:AlternateContent xmlns:mc="http://schemas.openxmlformats.org/markup-compatibility/2006" xmlns:p15="http://schemas.microsoft.com/office/powerpoint/2012/main">
+    <mc:Choice Requires="p15">
       <p:transition xmlns:p14="http://schemas.microsoft.com/office/powerpoint/2010/main" spd="slow" p14:dur="2000">
         <p15:prstTrans prst="fallOver"/>
       </p:transition>
     </mc:Choice>
-    <mc:Fallback>
+    <mc:Fallback xmlns="">
       <p:transition spd="slow">
         <p:fade/>
       </p:transition>
@@ -8474,11 +9114,20 @@
               <a:rPr lang="fr-SN" dirty="0" smtClean="0"/>
               <a:t> </a:t>
             </a:r>
-          </a:p>
-          <a:p>
             <a:r>
               <a:rPr lang="fr-SN" dirty="0" smtClean="0"/>
-              <a:t>Mbacké Diop</a:t>
+              <a:t> Gueye Mbaye</a:t>
+            </a:r>
+            <a:endParaRPr lang="fr-SN" dirty="0" smtClean="0"/>
+          </a:p>
+          <a:p>
+            <a:r>
+              <a:rPr lang="fr-SN" smtClean="0"/>
+              <a:t>Mbacké </a:t>
+            </a:r>
+            <a:r>
+              <a:rPr lang="fr-SN" dirty="0" smtClean="0"/>
+              <a:t>Diop</a:t>
             </a:r>
             <a:endParaRPr lang="en-US" dirty="0"/>
           </a:p>
@@ -8494,13 +9143,13 @@
   <p:clrMapOvr>
     <a:masterClrMapping/>
   </p:clrMapOvr>
-  <mc:AlternateContent xmlns:mc="http://schemas.openxmlformats.org/markup-compatibility/2006">
-    <mc:Choice xmlns:p15="http://schemas.microsoft.com/office/powerpoint/2012/main" Requires="p15">
+  <mc:AlternateContent xmlns:mc="http://schemas.openxmlformats.org/markup-compatibility/2006" xmlns:p15="http://schemas.microsoft.com/office/powerpoint/2012/main">
+    <mc:Choice Requires="p15">
       <p:transition xmlns:p14="http://schemas.microsoft.com/office/powerpoint/2010/main" spd="slow" p14:dur="2000">
         <p15:prstTrans prst="drape"/>
       </p:transition>
     </mc:Choice>
-    <mc:Fallback>
+    <mc:Fallback xmlns="">
       <p:transition spd="slow">
         <p:fade/>
       </p:transition>
@@ -8633,13 +9282,13 @@
   <p:clrMapOvr>
     <a:masterClrMapping/>
   </p:clrMapOvr>
-  <mc:AlternateContent xmlns:mc="http://schemas.openxmlformats.org/markup-compatibility/2006">
-    <mc:Choice xmlns:p15="http://schemas.microsoft.com/office/powerpoint/2012/main" Requires="p15">
+  <mc:AlternateContent xmlns:mc="http://schemas.openxmlformats.org/markup-compatibility/2006" xmlns:p15="http://schemas.microsoft.com/office/powerpoint/2012/main">
+    <mc:Choice Requires="p15">
       <p:transition xmlns:p14="http://schemas.microsoft.com/office/powerpoint/2010/main" spd="slow" p14:dur="2000">
         <p15:prstTrans prst="fallOver"/>
       </p:transition>
     </mc:Choice>
-    <mc:Fallback>
+    <mc:Fallback xmlns="">
       <p:transition spd="slow">
         <p:fade/>
       </p:transition>
@@ -8767,13 +9416,13 @@
   <p:clrMapOvr>
     <a:masterClrMapping/>
   </p:clrMapOvr>
-  <mc:AlternateContent xmlns:mc="http://schemas.openxmlformats.org/markup-compatibility/2006">
-    <mc:Choice xmlns:p15="http://schemas.microsoft.com/office/powerpoint/2012/main" Requires="p15">
+  <mc:AlternateContent xmlns:mc="http://schemas.openxmlformats.org/markup-compatibility/2006" xmlns:p15="http://schemas.microsoft.com/office/powerpoint/2012/main">
+    <mc:Choice Requires="p15">
       <p:transition xmlns:p14="http://schemas.microsoft.com/office/powerpoint/2010/main" spd="slow" p14:dur="2000">
         <p15:prstTrans prst="prestige"/>
       </p:transition>
     </mc:Choice>
-    <mc:Fallback>
+    <mc:Fallback xmlns="">
       <p:transition spd="slow">
         <p:fade/>
       </p:transition>
@@ -8937,13 +9586,13 @@
   <p:clrMapOvr>
     <a:masterClrMapping/>
   </p:clrMapOvr>
-  <mc:AlternateContent xmlns:mc="http://schemas.openxmlformats.org/markup-compatibility/2006">
-    <mc:Choice xmlns:p15="http://schemas.microsoft.com/office/powerpoint/2012/main" Requires="p15">
+  <mc:AlternateContent xmlns:mc="http://schemas.openxmlformats.org/markup-compatibility/2006" xmlns:p15="http://schemas.microsoft.com/office/powerpoint/2012/main">
+    <mc:Choice Requires="p15">
       <p:transition xmlns:p14="http://schemas.microsoft.com/office/powerpoint/2010/main" spd="slow" p14:dur="6000">
         <p15:prstTrans prst="curtains"/>
       </p:transition>
     </mc:Choice>
-    <mc:Fallback>
+    <mc:Fallback xmlns="">
       <p:transition spd="slow">
         <p:fade/>
       </p:transition>
@@ -9058,13 +9707,13 @@
   <p:clrMapOvr>
     <a:masterClrMapping/>
   </p:clrMapOvr>
-  <mc:AlternateContent xmlns:mc="http://schemas.openxmlformats.org/markup-compatibility/2006">
-    <mc:Choice xmlns:p15="http://schemas.microsoft.com/office/powerpoint/2012/main" Requires="p15">
+  <mc:AlternateContent xmlns:mc="http://schemas.openxmlformats.org/markup-compatibility/2006" xmlns:p15="http://schemas.microsoft.com/office/powerpoint/2012/main">
+    <mc:Choice Requires="p15">
       <p:transition xmlns:p14="http://schemas.microsoft.com/office/powerpoint/2010/main" spd="slow" p14:dur="2000">
         <p15:prstTrans prst="crush"/>
       </p:transition>
     </mc:Choice>
-    <mc:Fallback>
+    <mc:Fallback xmlns="">
       <p:transition spd="slow">
         <p:fade/>
       </p:transition>
@@ -9137,11 +9786,11 @@
           <a:p>
             <a:r>
               <a:rPr lang="fr-SN" dirty="0" smtClean="0"/>
-              <a:t>Couleurs: bleu, </a:t>
-            </a:r>
-            <a:r>
-              <a:rPr lang="fr-SN" dirty="0" err="1" smtClean="0"/>
-              <a:t>blanc,gris</a:t>
+              <a:t>Couleurs: bleu, blanc</a:t>
+            </a:r>
+            <a:r>
+              <a:rPr lang="fr-SN" dirty="0" smtClean="0"/>
+              <a:t>, gris</a:t>
             </a:r>
             <a:endParaRPr lang="fr-SN" dirty="0" smtClean="0"/>
           </a:p>
@@ -9169,13 +9818,13 @@
   <p:clrMapOvr>
     <a:masterClrMapping/>
   </p:clrMapOvr>
-  <mc:AlternateContent xmlns:mc="http://schemas.openxmlformats.org/markup-compatibility/2006">
-    <mc:Choice xmlns:p15="http://schemas.microsoft.com/office/powerpoint/2012/main" Requires="p15">
+  <mc:AlternateContent xmlns:mc="http://schemas.openxmlformats.org/markup-compatibility/2006" xmlns:p15="http://schemas.microsoft.com/office/powerpoint/2012/main">
+    <mc:Choice Requires="p15">
       <p:transition xmlns:p14="http://schemas.microsoft.com/office/powerpoint/2010/main" spd="slow" p14:dur="2000">
         <p15:prstTrans prst="crush"/>
       </p:transition>
     </mc:Choice>
-    <mc:Fallback>
+    <mc:Fallback xmlns="">
       <p:transition spd="slow">
         <p:fade/>
       </p:transition>
@@ -9272,13 +9921,13 @@
   <p:clrMapOvr>
     <a:masterClrMapping/>
   </p:clrMapOvr>
-  <mc:AlternateContent xmlns:mc="http://schemas.openxmlformats.org/markup-compatibility/2006">
-    <mc:Choice xmlns:p15="http://schemas.microsoft.com/office/powerpoint/2012/main" Requires="p15">
+  <mc:AlternateContent xmlns:mc="http://schemas.openxmlformats.org/markup-compatibility/2006" xmlns:p15="http://schemas.microsoft.com/office/powerpoint/2012/main">
+    <mc:Choice Requires="p15">
       <p:transition xmlns:p14="http://schemas.microsoft.com/office/powerpoint/2010/main" spd="slow" p14:dur="1250">
         <p15:prstTrans prst="peelOff"/>
       </p:transition>
     </mc:Choice>
-    <mc:Fallback>
+    <mc:Fallback xmlns="">
       <p:transition spd="slow">
         <p:fade/>
       </p:transition>
